--- a/MainAlgo/Figures/LorenzFoundCoupled.pptx
+++ b/MainAlgo/Figures/LorenzFoundCoupled.pptx
@@ -115,13 +115,229 @@
 <file path=ppt/revisionInfo.xml><?xml version="1.0" encoding="utf-8"?>
 <p1510:revInfo xmlns:a="http://schemas.openxmlformats.org/drawingml/2006/main" xmlns:r="http://schemas.openxmlformats.org/officeDocument/2006/relationships" xmlns:p1510="http://schemas.microsoft.com/office/powerpoint/2015/10/main">
   <p1510:revLst>
-    <p1510:client id="{BEF2E625-BCCB-4D7C-A83F-3795728302D3}" v="146" dt="2023-09-13T13:43:53.407"/>
+    <p1510:client id="{E082403F-92C8-495F-8556-23B7B6AE471E}" v="18" dt="2023-10-16T08:41:38.450"/>
   </p1510:revLst>
 </p1510:revInfo>
 </file>
 
 <file path=ppt/changesInfos/changesInfo1.xml><?xml version="1.0" encoding="utf-8"?>
 <pc:chgInfo xmlns:a="http://schemas.openxmlformats.org/drawingml/2006/main" xmlns:r="http://schemas.openxmlformats.org/officeDocument/2006/relationships" xmlns:ac="http://schemas.microsoft.com/office/drawing/2013/main/command" xmlns:pc="http://schemas.microsoft.com/office/powerpoint/2013/main/command">
+  <pc:docChgLst>
+    <pc:chgData name="Mey, Alex" userId="99e6382d-a7de-4d99-a744-68391b63f6f3" providerId="ADAL" clId="{E082403F-92C8-495F-8556-23B7B6AE471E}"/>
+    <pc:docChg chg="custSel modSld">
+      <pc:chgData name="Mey, Alex" userId="99e6382d-a7de-4d99-a744-68391b63f6f3" providerId="ADAL" clId="{E082403F-92C8-495F-8556-23B7B6AE471E}" dt="2023-10-16T08:42:31.367" v="87" actId="1076"/>
+      <pc:docMkLst>
+        <pc:docMk/>
+      </pc:docMkLst>
+      <pc:sldChg chg="addSp delSp modSp mod">
+        <pc:chgData name="Mey, Alex" userId="99e6382d-a7de-4d99-a744-68391b63f6f3" providerId="ADAL" clId="{E082403F-92C8-495F-8556-23B7B6AE471E}" dt="2023-10-16T08:42:31.367" v="87" actId="1076"/>
+        <pc:sldMkLst>
+          <pc:docMk/>
+          <pc:sldMk cId="323427338" sldId="256"/>
+        </pc:sldMkLst>
+        <pc:spChg chg="add mod">
+          <ac:chgData name="Mey, Alex" userId="99e6382d-a7de-4d99-a744-68391b63f6f3" providerId="ADAL" clId="{E082403F-92C8-495F-8556-23B7B6AE471E}" dt="2023-10-16T08:37:55.944" v="24" actId="1076"/>
+          <ac:spMkLst>
+            <pc:docMk/>
+            <pc:sldMk cId="323427338" sldId="256"/>
+            <ac:spMk id="13" creationId="{48C6FC3C-06C4-0F49-3F9D-56DDCB9C924A}"/>
+          </ac:spMkLst>
+        </pc:spChg>
+        <pc:spChg chg="mod">
+          <ac:chgData name="Mey, Alex" userId="99e6382d-a7de-4d99-a744-68391b63f6f3" providerId="ADAL" clId="{E082403F-92C8-495F-8556-23B7B6AE471E}" dt="2023-10-16T08:36:18.021" v="15" actId="20577"/>
+          <ac:spMkLst>
+            <pc:docMk/>
+            <pc:sldMk cId="323427338" sldId="256"/>
+            <ac:spMk id="30" creationId="{2B3307D7-2177-C207-9638-E1BAA65B51D3}"/>
+          </ac:spMkLst>
+        </pc:spChg>
+        <pc:spChg chg="mod">
+          <ac:chgData name="Mey, Alex" userId="99e6382d-a7de-4d99-a744-68391b63f6f3" providerId="ADAL" clId="{E082403F-92C8-495F-8556-23B7B6AE471E}" dt="2023-10-16T08:34:05.412" v="1" actId="20577"/>
+          <ac:spMkLst>
+            <pc:docMk/>
+            <pc:sldMk cId="323427338" sldId="256"/>
+            <ac:spMk id="31" creationId="{03F1D92F-2DAC-894E-A9C7-4E7456F84794}"/>
+          </ac:spMkLst>
+        </pc:spChg>
+        <pc:spChg chg="add mod">
+          <ac:chgData name="Mey, Alex" userId="99e6382d-a7de-4d99-a744-68391b63f6f3" providerId="ADAL" clId="{E082403F-92C8-495F-8556-23B7B6AE471E}" dt="2023-10-16T08:41:53.942" v="86" actId="1076"/>
+          <ac:spMkLst>
+            <pc:docMk/>
+            <pc:sldMk cId="323427338" sldId="256"/>
+            <ac:spMk id="33" creationId="{F16F8387-4BCA-6996-7A82-21DCDC2D3706}"/>
+          </ac:spMkLst>
+        </pc:spChg>
+        <pc:spChg chg="add mod">
+          <ac:chgData name="Mey, Alex" userId="99e6382d-a7de-4d99-a744-68391b63f6f3" providerId="ADAL" clId="{E082403F-92C8-495F-8556-23B7B6AE471E}" dt="2023-10-16T08:40:52.007" v="67" actId="688"/>
+          <ac:spMkLst>
+            <pc:docMk/>
+            <pc:sldMk cId="323427338" sldId="256"/>
+            <ac:spMk id="36" creationId="{EE341F2B-3468-A587-88B5-97B615E2056B}"/>
+          </ac:spMkLst>
+        </pc:spChg>
+        <pc:spChg chg="add mod">
+          <ac:chgData name="Mey, Alex" userId="99e6382d-a7de-4d99-a744-68391b63f6f3" providerId="ADAL" clId="{E082403F-92C8-495F-8556-23B7B6AE471E}" dt="2023-10-16T08:42:31.367" v="87" actId="1076"/>
+          <ac:spMkLst>
+            <pc:docMk/>
+            <pc:sldMk cId="323427338" sldId="256"/>
+            <ac:spMk id="37" creationId="{108D5E4F-FE15-879C-257D-155E5612D7F1}"/>
+          </ac:spMkLst>
+        </pc:spChg>
+        <pc:spChg chg="add mod">
+          <ac:chgData name="Mey, Alex" userId="99e6382d-a7de-4d99-a744-68391b63f6f3" providerId="ADAL" clId="{E082403F-92C8-495F-8556-23B7B6AE471E}" dt="2023-10-16T08:41:48.582" v="85" actId="1076"/>
+          <ac:spMkLst>
+            <pc:docMk/>
+            <pc:sldMk cId="323427338" sldId="256"/>
+            <ac:spMk id="41" creationId="{694E90EE-0E83-D09E-2D9B-5803B141A680}"/>
+          </ac:spMkLst>
+        </pc:spChg>
+        <pc:spChg chg="mod">
+          <ac:chgData name="Mey, Alex" userId="99e6382d-a7de-4d99-a744-68391b63f6f3" providerId="ADAL" clId="{E082403F-92C8-495F-8556-23B7B6AE471E}" dt="2023-10-16T08:37:20.465" v="21" actId="20577"/>
+          <ac:spMkLst>
+            <pc:docMk/>
+            <pc:sldMk cId="323427338" sldId="256"/>
+            <ac:spMk id="42" creationId="{F24FBF12-7EB5-F164-EBC8-8E9F03C095DF}"/>
+          </ac:spMkLst>
+        </pc:spChg>
+        <pc:spChg chg="mod">
+          <ac:chgData name="Mey, Alex" userId="99e6382d-a7de-4d99-a744-68391b63f6f3" providerId="ADAL" clId="{E082403F-92C8-495F-8556-23B7B6AE471E}" dt="2023-10-16T08:38:10.375" v="28" actId="20577"/>
+          <ac:spMkLst>
+            <pc:docMk/>
+            <pc:sldMk cId="323427338" sldId="256"/>
+            <ac:spMk id="63" creationId="{0B6AD766-F966-F438-B1D2-BA7425253CEF}"/>
+          </ac:spMkLst>
+        </pc:spChg>
+        <pc:spChg chg="mod">
+          <ac:chgData name="Mey, Alex" userId="99e6382d-a7de-4d99-a744-68391b63f6f3" providerId="ADAL" clId="{E082403F-92C8-495F-8556-23B7B6AE471E}" dt="2023-10-16T08:38:13.502" v="30" actId="6549"/>
+          <ac:spMkLst>
+            <pc:docMk/>
+            <pc:sldMk cId="323427338" sldId="256"/>
+            <ac:spMk id="64" creationId="{A62F8CC5-23F5-16A1-5811-E539EE23169D}"/>
+          </ac:spMkLst>
+        </pc:spChg>
+        <pc:spChg chg="mod">
+          <ac:chgData name="Mey, Alex" userId="99e6382d-a7de-4d99-a744-68391b63f6f3" providerId="ADAL" clId="{E082403F-92C8-495F-8556-23B7B6AE471E}" dt="2023-10-16T08:41:16.201" v="75" actId="20577"/>
+          <ac:spMkLst>
+            <pc:docMk/>
+            <pc:sldMk cId="323427338" sldId="256"/>
+            <ac:spMk id="65" creationId="{28C1700F-A4F0-D627-79E1-14FE254214CC}"/>
+          </ac:spMkLst>
+        </pc:spChg>
+        <pc:spChg chg="mod">
+          <ac:chgData name="Mey, Alex" userId="99e6382d-a7de-4d99-a744-68391b63f6f3" providerId="ADAL" clId="{E082403F-92C8-495F-8556-23B7B6AE471E}" dt="2023-10-16T08:41:12.807" v="73" actId="20577"/>
+          <ac:spMkLst>
+            <pc:docMk/>
+            <pc:sldMk cId="323427338" sldId="256"/>
+            <ac:spMk id="66" creationId="{B0524A48-0B63-2449-F0F2-D59D7B768121}"/>
+          </ac:spMkLst>
+        </pc:spChg>
+        <pc:spChg chg="mod">
+          <ac:chgData name="Mey, Alex" userId="99e6382d-a7de-4d99-a744-68391b63f6f3" providerId="ADAL" clId="{E082403F-92C8-495F-8556-23B7B6AE471E}" dt="2023-10-16T08:35:35.729" v="8" actId="1076"/>
+          <ac:spMkLst>
+            <pc:docMk/>
+            <pc:sldMk cId="323427338" sldId="256"/>
+            <ac:spMk id="91" creationId="{A1980B19-FC8E-1AB2-65D4-7B5F2CABE678}"/>
+          </ac:spMkLst>
+        </pc:spChg>
+        <pc:spChg chg="del">
+          <ac:chgData name="Mey, Alex" userId="99e6382d-a7de-4d99-a744-68391b63f6f3" providerId="ADAL" clId="{E082403F-92C8-495F-8556-23B7B6AE471E}" dt="2023-10-16T08:38:00.985" v="25" actId="478"/>
+          <ac:spMkLst>
+            <pc:docMk/>
+            <pc:sldMk cId="323427338" sldId="256"/>
+            <ac:spMk id="93" creationId="{9C704B59-A34C-1071-859C-6EDBB115ED08}"/>
+          </ac:spMkLst>
+        </pc:spChg>
+        <pc:spChg chg="del">
+          <ac:chgData name="Mey, Alex" userId="99e6382d-a7de-4d99-a744-68391b63f6f3" providerId="ADAL" clId="{E082403F-92C8-495F-8556-23B7B6AE471E}" dt="2023-10-16T08:38:05.329" v="26" actId="478"/>
+          <ac:spMkLst>
+            <pc:docMk/>
+            <pc:sldMk cId="323427338" sldId="256"/>
+            <ac:spMk id="94" creationId="{17C9AFA4-F56C-4C8C-5089-6D9A8CFC0B21}"/>
+          </ac:spMkLst>
+        </pc:spChg>
+        <pc:spChg chg="mod">
+          <ac:chgData name="Mey, Alex" userId="99e6382d-a7de-4d99-a744-68391b63f6f3" providerId="ADAL" clId="{E082403F-92C8-495F-8556-23B7B6AE471E}" dt="2023-10-16T08:39:58.463" v="57" actId="14100"/>
+          <ac:spMkLst>
+            <pc:docMk/>
+            <pc:sldMk cId="323427338" sldId="256"/>
+            <ac:spMk id="95" creationId="{C595C5D9-FE2E-E39C-09F5-76B0F0DF7AF8}"/>
+          </ac:spMkLst>
+        </pc:spChg>
+        <pc:spChg chg="mod">
+          <ac:chgData name="Mey, Alex" userId="99e6382d-a7de-4d99-a744-68391b63f6f3" providerId="ADAL" clId="{E082403F-92C8-495F-8556-23B7B6AE471E}" dt="2023-10-16T08:40:04.046" v="58" actId="1076"/>
+          <ac:spMkLst>
+            <pc:docMk/>
+            <pc:sldMk cId="323427338" sldId="256"/>
+            <ac:spMk id="97" creationId="{F6F4C00F-5658-0916-E5E1-931A613E5E1A}"/>
+          </ac:spMkLst>
+        </pc:spChg>
+        <pc:spChg chg="del">
+          <ac:chgData name="Mey, Alex" userId="99e6382d-a7de-4d99-a744-68391b63f6f3" providerId="ADAL" clId="{E082403F-92C8-495F-8556-23B7B6AE471E}" dt="2023-10-16T08:38:24.135" v="31" actId="478"/>
+          <ac:spMkLst>
+            <pc:docMk/>
+            <pc:sldMk cId="323427338" sldId="256"/>
+            <ac:spMk id="101" creationId="{EB460597-00DF-8FCE-2DAF-60BB0AF78F69}"/>
+          </ac:spMkLst>
+        </pc:spChg>
+        <pc:cxnChg chg="add mod">
+          <ac:chgData name="Mey, Alex" userId="99e6382d-a7de-4d99-a744-68391b63f6f3" providerId="ADAL" clId="{E082403F-92C8-495F-8556-23B7B6AE471E}" dt="2023-10-16T08:35:24.497" v="6" actId="1076"/>
+          <ac:cxnSpMkLst>
+            <pc:docMk/>
+            <pc:sldMk cId="323427338" sldId="256"/>
+            <ac:cxnSpMk id="9" creationId="{9506A60A-8E35-0CDF-EB43-D03680B1FB84}"/>
+          </ac:cxnSpMkLst>
+        </pc:cxnChg>
+        <pc:cxnChg chg="del">
+          <ac:chgData name="Mey, Alex" userId="99e6382d-a7de-4d99-a744-68391b63f6f3" providerId="ADAL" clId="{E082403F-92C8-495F-8556-23B7B6AE471E}" dt="2023-10-16T08:35:18.967" v="5" actId="478"/>
+          <ac:cxnSpMkLst>
+            <pc:docMk/>
+            <pc:sldMk cId="323427338" sldId="256"/>
+            <ac:cxnSpMk id="12" creationId="{A692B134-8E93-4838-228E-C52F9104FC0E}"/>
+          </ac:cxnSpMkLst>
+        </pc:cxnChg>
+        <pc:cxnChg chg="add mod">
+          <ac:chgData name="Mey, Alex" userId="99e6382d-a7de-4d99-a744-68391b63f6f3" providerId="ADAL" clId="{E082403F-92C8-495F-8556-23B7B6AE471E}" dt="2023-10-16T08:36:30.378" v="17" actId="14100"/>
+          <ac:cxnSpMkLst>
+            <pc:docMk/>
+            <pc:sldMk cId="323427338" sldId="256"/>
+            <ac:cxnSpMk id="17" creationId="{C958451C-1795-E89B-44B1-259439E09A74}"/>
+          </ac:cxnSpMkLst>
+        </pc:cxnChg>
+        <pc:cxnChg chg="del mod">
+          <ac:chgData name="Mey, Alex" userId="99e6382d-a7de-4d99-a744-68391b63f6f3" providerId="ADAL" clId="{E082403F-92C8-495F-8556-23B7B6AE471E}" dt="2023-10-16T08:41:28.684" v="79" actId="478"/>
+          <ac:cxnSpMkLst>
+            <pc:docMk/>
+            <pc:sldMk cId="323427338" sldId="256"/>
+            <ac:cxnSpMk id="23" creationId="{1998FA46-0720-6076-B1B6-3227FB1419E5}"/>
+          </ac:cxnSpMkLst>
+        </pc:cxnChg>
+        <pc:cxnChg chg="add mod">
+          <ac:chgData name="Mey, Alex" userId="99e6382d-a7de-4d99-a744-68391b63f6f3" providerId="ADAL" clId="{E082403F-92C8-495F-8556-23B7B6AE471E}" dt="2023-10-16T08:38:55.720" v="38" actId="1076"/>
+          <ac:cxnSpMkLst>
+            <pc:docMk/>
+            <pc:sldMk cId="323427338" sldId="256"/>
+            <ac:cxnSpMk id="35" creationId="{2E3242B8-71DC-C8AA-90E5-A8450C15400C}"/>
+          </ac:cxnSpMkLst>
+        </pc:cxnChg>
+        <pc:cxnChg chg="add mod">
+          <ac:chgData name="Mey, Alex" userId="99e6382d-a7de-4d99-a744-68391b63f6f3" providerId="ADAL" clId="{E082403F-92C8-495F-8556-23B7B6AE471E}" dt="2023-10-16T08:41:43.846" v="84" actId="14100"/>
+          <ac:cxnSpMkLst>
+            <pc:docMk/>
+            <pc:sldMk cId="323427338" sldId="256"/>
+            <ac:cxnSpMk id="38" creationId="{48FAED3B-55C9-8A1E-1605-5E10BA8F6507}"/>
+          </ac:cxnSpMkLst>
+        </pc:cxnChg>
+        <pc:cxnChg chg="del">
+          <ac:chgData name="Mey, Alex" userId="99e6382d-a7de-4d99-a744-68391b63f6f3" providerId="ADAL" clId="{E082403F-92C8-495F-8556-23B7B6AE471E}" dt="2023-10-16T08:38:25.859" v="32" actId="478"/>
+          <ac:cxnSpMkLst>
+            <pc:docMk/>
+            <pc:sldMk cId="323427338" sldId="256"/>
+            <ac:cxnSpMk id="98" creationId="{53A75E45-64F2-7349-D37B-379276392A26}"/>
+          </ac:cxnSpMkLst>
+        </pc:cxnChg>
+      </pc:sldChg>
+    </pc:docChg>
+  </pc:docChgLst>
   <pc:docChgLst>
     <pc:chgData name="Alexander Mey" userId="9cbcbf44-eb32-48a7-b84e-4e9e6f317f69" providerId="ADAL" clId="{BEF2E625-BCCB-4D7C-A83F-3795728302D3}"/>
     <pc:docChg chg="undo custSel modSld">
@@ -792,7 +1008,7 @@
           <a:p>
             <a:fld id="{8B5B77F7-BF67-404E-B595-380B1F102C15}" type="datetimeFigureOut">
               <a:rPr lang="en-US" smtClean="0"/>
-              <a:t>9/12/2023</a:t>
+              <a:t>10/16/2023</a:t>
             </a:fld>
             <a:endParaRPr lang="en-US"/>
           </a:p>
@@ -962,7 +1178,7 @@
           <a:p>
             <a:fld id="{8B5B77F7-BF67-404E-B595-380B1F102C15}" type="datetimeFigureOut">
               <a:rPr lang="en-US" smtClean="0"/>
-              <a:t>9/12/2023</a:t>
+              <a:t>10/16/2023</a:t>
             </a:fld>
             <a:endParaRPr lang="en-US"/>
           </a:p>
@@ -1142,7 +1358,7 @@
           <a:p>
             <a:fld id="{8B5B77F7-BF67-404E-B595-380B1F102C15}" type="datetimeFigureOut">
               <a:rPr lang="en-US" smtClean="0"/>
-              <a:t>9/12/2023</a:t>
+              <a:t>10/16/2023</a:t>
             </a:fld>
             <a:endParaRPr lang="en-US"/>
           </a:p>
@@ -1312,7 +1528,7 @@
           <a:p>
             <a:fld id="{8B5B77F7-BF67-404E-B595-380B1F102C15}" type="datetimeFigureOut">
               <a:rPr lang="en-US" smtClean="0"/>
-              <a:t>9/12/2023</a:t>
+              <a:t>10/16/2023</a:t>
             </a:fld>
             <a:endParaRPr lang="en-US"/>
           </a:p>
@@ -1556,7 +1772,7 @@
           <a:p>
             <a:fld id="{8B5B77F7-BF67-404E-B595-380B1F102C15}" type="datetimeFigureOut">
               <a:rPr lang="en-US" smtClean="0"/>
-              <a:t>9/12/2023</a:t>
+              <a:t>10/16/2023</a:t>
             </a:fld>
             <a:endParaRPr lang="en-US"/>
           </a:p>
@@ -1788,7 +2004,7 @@
           <a:p>
             <a:fld id="{8B5B77F7-BF67-404E-B595-380B1F102C15}" type="datetimeFigureOut">
               <a:rPr lang="en-US" smtClean="0"/>
-              <a:t>9/12/2023</a:t>
+              <a:t>10/16/2023</a:t>
             </a:fld>
             <a:endParaRPr lang="en-US"/>
           </a:p>
@@ -2155,7 +2371,7 @@
           <a:p>
             <a:fld id="{8B5B77F7-BF67-404E-B595-380B1F102C15}" type="datetimeFigureOut">
               <a:rPr lang="en-US" smtClean="0"/>
-              <a:t>9/12/2023</a:t>
+              <a:t>10/16/2023</a:t>
             </a:fld>
             <a:endParaRPr lang="en-US"/>
           </a:p>
@@ -2273,7 +2489,7 @@
           <a:p>
             <a:fld id="{8B5B77F7-BF67-404E-B595-380B1F102C15}" type="datetimeFigureOut">
               <a:rPr lang="en-US" smtClean="0"/>
-              <a:t>9/12/2023</a:t>
+              <a:t>10/16/2023</a:t>
             </a:fld>
             <a:endParaRPr lang="en-US"/>
           </a:p>
@@ -2368,7 +2584,7 @@
           <a:p>
             <a:fld id="{8B5B77F7-BF67-404E-B595-380B1F102C15}" type="datetimeFigureOut">
               <a:rPr lang="en-US" smtClean="0"/>
-              <a:t>9/12/2023</a:t>
+              <a:t>10/16/2023</a:t>
             </a:fld>
             <a:endParaRPr lang="en-US"/>
           </a:p>
@@ -2645,7 +2861,7 @@
           <a:p>
             <a:fld id="{8B5B77F7-BF67-404E-B595-380B1F102C15}" type="datetimeFigureOut">
               <a:rPr lang="en-US" smtClean="0"/>
-              <a:t>9/12/2023</a:t>
+              <a:t>10/16/2023</a:t>
             </a:fld>
             <a:endParaRPr lang="en-US"/>
           </a:p>
@@ -2902,7 +3118,7 @@
           <a:p>
             <a:fld id="{8B5B77F7-BF67-404E-B595-380B1F102C15}" type="datetimeFigureOut">
               <a:rPr lang="en-US" smtClean="0"/>
-              <a:t>9/12/2023</a:t>
+              <a:t>10/16/2023</a:t>
             </a:fld>
             <a:endParaRPr lang="en-US"/>
           </a:p>
@@ -3115,7 +3331,7 @@
           <a:p>
             <a:fld id="{8B5B77F7-BF67-404E-B595-380B1F102C15}" type="datetimeFigureOut">
               <a:rPr lang="en-US" smtClean="0"/>
-              <a:t>9/12/2023</a:t>
+              <a:t>10/16/2023</a:t>
             </a:fld>
             <a:endParaRPr lang="en-US"/>
           </a:p>
@@ -3723,51 +3939,6 @@
       </p:cxnSp>
       <p:cxnSp>
         <p:nvCxnSpPr>
-          <p:cNvPr id="12" name="Straight Arrow Connector 11">
-            <a:extLst>
-              <a:ext uri="{FF2B5EF4-FFF2-40B4-BE49-F238E27FC236}">
-                <a16:creationId xmlns:a16="http://schemas.microsoft.com/office/drawing/2014/main" id="{A692B134-8E93-4838-228E-C52F9104FC0E}"/>
-              </a:ext>
-            </a:extLst>
-          </p:cNvPr>
-          <p:cNvCxnSpPr>
-            <a:cxnSpLocks/>
-          </p:cNvCxnSpPr>
-          <p:nvPr/>
-        </p:nvCxnSpPr>
-        <p:spPr>
-          <a:xfrm flipH="1" flipV="1">
-            <a:off x="1544247" y="3500970"/>
-            <a:ext cx="927525" cy="2514560"/>
-          </a:xfrm>
-          <a:prstGeom prst="straightConnector1">
-            <a:avLst/>
-          </a:prstGeom>
-          <a:ln w="19050">
-            <a:solidFill>
-              <a:srgbClr val="FF0000"/>
-            </a:solidFill>
-            <a:prstDash val="dash"/>
-            <a:tailEnd type="triangle"/>
-          </a:ln>
-        </p:spPr>
-        <p:style>
-          <a:lnRef idx="1">
-            <a:schemeClr val="accent1"/>
-          </a:lnRef>
-          <a:fillRef idx="0">
-            <a:schemeClr val="accent1"/>
-          </a:fillRef>
-          <a:effectRef idx="0">
-            <a:schemeClr val="accent1"/>
-          </a:effectRef>
-          <a:fontRef idx="minor">
-            <a:schemeClr val="tx1"/>
-          </a:fontRef>
-        </p:style>
-      </p:cxnSp>
-      <p:cxnSp>
-        <p:nvCxnSpPr>
           <p:cNvPr id="14" name="Straight Arrow Connector 13">
             <a:extLst>
               <a:ext uri="{FF2B5EF4-FFF2-40B4-BE49-F238E27FC236}">
@@ -3922,52 +4093,6 @@
           </a:p>
         </p:txBody>
       </p:sp>
-      <p:cxnSp>
-        <p:nvCxnSpPr>
-          <p:cNvPr id="23" name="Straight Arrow Connector 22">
-            <a:extLst>
-              <a:ext uri="{FF2B5EF4-FFF2-40B4-BE49-F238E27FC236}">
-                <a16:creationId xmlns:a16="http://schemas.microsoft.com/office/drawing/2014/main" id="{1998FA46-0720-6076-B1B6-3227FB1419E5}"/>
-              </a:ext>
-            </a:extLst>
-          </p:cNvPr>
-          <p:cNvCxnSpPr>
-            <a:cxnSpLocks/>
-            <a:stCxn id="21" idx="6"/>
-          </p:cNvCxnSpPr>
-          <p:nvPr/>
-        </p:nvCxnSpPr>
-        <p:spPr>
-          <a:xfrm flipV="1">
-            <a:off x="3407246" y="4309034"/>
-            <a:ext cx="1171573" cy="0"/>
-          </a:xfrm>
-          <a:prstGeom prst="straightConnector1">
-            <a:avLst/>
-          </a:prstGeom>
-          <a:ln w="19050">
-            <a:solidFill>
-              <a:srgbClr val="FF0000"/>
-            </a:solidFill>
-            <a:prstDash val="dash"/>
-            <a:tailEnd type="triangle"/>
-          </a:ln>
-        </p:spPr>
-        <p:style>
-          <a:lnRef idx="1">
-            <a:schemeClr val="accent1"/>
-          </a:lnRef>
-          <a:fillRef idx="0">
-            <a:schemeClr val="accent1"/>
-          </a:fillRef>
-          <a:effectRef idx="0">
-            <a:schemeClr val="accent1"/>
-          </a:effectRef>
-          <a:fontRef idx="minor">
-            <a:schemeClr val="tx1"/>
-          </a:fontRef>
-        </p:style>
-      </p:cxnSp>
       <p:cxnSp>
         <p:nvCxnSpPr>
           <p:cNvPr id="24" name="Straight Arrow Connector 23">
@@ -4226,8 +4351,8 @@
           </a:p>
         </p:txBody>
       </p:sp>
-      <mc:AlternateContent xmlns:mc="http://schemas.openxmlformats.org/markup-compatibility/2006">
-        <mc:Choice xmlns:a14="http://schemas.microsoft.com/office/drawing/2010/main" Requires="a14">
+      <mc:AlternateContent xmlns:mc="http://schemas.openxmlformats.org/markup-compatibility/2006" xmlns:a14="http://schemas.microsoft.com/office/drawing/2010/main">
+        <mc:Choice Requires="a14">
           <p:sp>
             <p:nvSpPr>
               <p:cNvPr id="2" name="TextBox 1">
@@ -4256,6 +4381,7 @@
               </a:bodyPr>
               <a:lstStyle/>
               <a:p>
+                <a:pPr/>
                 <a14:m>
                   <m:oMathPara xmlns:m="http://schemas.openxmlformats.org/officeDocument/2006/math">
                     <m:oMathParaPr>
@@ -4276,7 +4402,7 @@
             </p:txBody>
           </p:sp>
         </mc:Choice>
-        <mc:Fallback>
+        <mc:Fallback xmlns="">
           <p:sp>
             <p:nvSpPr>
               <p:cNvPr id="2" name="TextBox 1">
@@ -4321,8 +4447,8 @@
           </p:sp>
         </mc:Fallback>
       </mc:AlternateContent>
-      <mc:AlternateContent xmlns:mc="http://schemas.openxmlformats.org/markup-compatibility/2006">
-        <mc:Choice xmlns:a14="http://schemas.microsoft.com/office/drawing/2010/main" Requires="a14">
+      <mc:AlternateContent xmlns:mc="http://schemas.openxmlformats.org/markup-compatibility/2006" xmlns:a14="http://schemas.microsoft.com/office/drawing/2010/main">
+        <mc:Choice Requires="a14">
           <p:sp>
             <p:nvSpPr>
               <p:cNvPr id="3" name="TextBox 2">
@@ -4351,6 +4477,7 @@
               </a:bodyPr>
               <a:lstStyle/>
               <a:p>
+                <a:pPr/>
                 <a14:m>
                   <m:oMathPara xmlns:m="http://schemas.openxmlformats.org/officeDocument/2006/math">
                     <m:oMathParaPr>
@@ -4371,7 +4498,7 @@
             </p:txBody>
           </p:sp>
         </mc:Choice>
-        <mc:Fallback>
+        <mc:Fallback xmlns="">
           <p:sp>
             <p:nvSpPr>
               <p:cNvPr id="3" name="TextBox 2">
@@ -4446,7 +4573,7 @@
           <a:p>
             <a:r>
               <a:rPr lang="en-US" dirty="0"/>
-              <a:t>1</a:t>
+              <a:t>3</a:t>
             </a:r>
           </a:p>
         </p:txBody>
@@ -4481,7 +4608,7 @@
           <a:p>
             <a:r>
               <a:rPr lang="en-US" dirty="0"/>
-              <a:t>4</a:t>
+              <a:t>5</a:t>
             </a:r>
           </a:p>
         </p:txBody>
@@ -4551,7 +4678,7 @@
           <a:p>
             <a:r>
               <a:rPr lang="en-US" dirty="0"/>
-              <a:t>4</a:t>
+              <a:t>5</a:t>
             </a:r>
           </a:p>
         </p:txBody>
@@ -4591,8 +4718,8 @@
           </a:p>
         </p:txBody>
       </p:sp>
-      <mc:AlternateContent xmlns:mc="http://schemas.openxmlformats.org/markup-compatibility/2006">
-        <mc:Choice xmlns:a14="http://schemas.microsoft.com/office/drawing/2010/main" Requires="a14">
+      <mc:AlternateContent xmlns:mc="http://schemas.openxmlformats.org/markup-compatibility/2006" xmlns:a14="http://schemas.microsoft.com/office/drawing/2010/main">
+        <mc:Choice Requires="a14">
           <p:sp>
             <p:nvSpPr>
               <p:cNvPr id="58" name="TextBox 57">
@@ -4621,6 +4748,7 @@
               </a:bodyPr>
               <a:lstStyle/>
               <a:p>
+                <a:pPr/>
                 <a14:m>
                   <m:oMathPara xmlns:m="http://schemas.openxmlformats.org/officeDocument/2006/math">
                     <m:oMathParaPr>
@@ -4641,7 +4769,7 @@
             </p:txBody>
           </p:sp>
         </mc:Choice>
-        <mc:Fallback>
+        <mc:Fallback xmlns="">
           <p:sp>
             <p:nvSpPr>
               <p:cNvPr id="58" name="TextBox 57">
@@ -4744,101 +4872,42 @@
           </a:p>
         </p:txBody>
       </p:sp>
-      <mc:AlternateContent xmlns:mc="http://schemas.openxmlformats.org/markup-compatibility/2006">
-        <mc:Choice xmlns:a14="http://schemas.microsoft.com/office/drawing/2010/main" Requires="a14">
-          <p:sp>
-            <p:nvSpPr>
-              <p:cNvPr id="63" name="TextBox 62">
-                <a:extLst>
-                  <a:ext uri="{FF2B5EF4-FFF2-40B4-BE49-F238E27FC236}">
-                    <a16:creationId xmlns:a16="http://schemas.microsoft.com/office/drawing/2014/main" id="{0B6AD766-F966-F438-B1D2-BA7425253CEF}"/>
-                  </a:ext>
-                </a:extLst>
-              </p:cNvPr>
-              <p:cNvSpPr txBox="1"/>
-              <p:nvPr/>
-            </p:nvSpPr>
-            <p:spPr>
-              <a:xfrm>
-                <a:off x="3326209" y="6511218"/>
-                <a:ext cx="365805" cy="369332"/>
-              </a:xfrm>
-              <a:prstGeom prst="rect">
-                <a:avLst/>
-              </a:prstGeom>
-              <a:noFill/>
-            </p:spPr>
-            <p:txBody>
-              <a:bodyPr wrap="none" rtlCol="0">
-                <a:spAutoFit/>
-              </a:bodyPr>
-              <a:lstStyle/>
-              <a:p>
-                <a14:m>
-                  <m:oMathPara xmlns:m="http://schemas.openxmlformats.org/officeDocument/2006/math">
-                    <m:oMathParaPr>
-                      <m:jc m:val="centerGroup"/>
-                    </m:oMathParaPr>
-                    <m:oMath xmlns:m="http://schemas.openxmlformats.org/officeDocument/2006/math">
-                      <m:r>
-                        <a:rPr lang="en-US" b="0" i="1" smtClean="0">
-                          <a:latin typeface="Cambria Math" panose="02040503050406030204" pitchFamily="18" charset="0"/>
-                        </a:rPr>
-                        <m:t>5</m:t>
-                      </m:r>
-                    </m:oMath>
-                  </m:oMathPara>
-                </a14:m>
-                <a:endParaRPr lang="en-US" dirty="0"/>
-              </a:p>
-            </p:txBody>
-          </p:sp>
-        </mc:Choice>
-        <mc:Fallback>
-          <p:sp>
-            <p:nvSpPr>
-              <p:cNvPr id="63" name="TextBox 62">
-                <a:extLst>
-                  <a:ext uri="{FF2B5EF4-FFF2-40B4-BE49-F238E27FC236}">
-                    <a16:creationId xmlns:a16="http://schemas.microsoft.com/office/drawing/2014/main" id="{0B6AD766-F966-F438-B1D2-BA7425253CEF}"/>
-                  </a:ext>
-                </a:extLst>
-              </p:cNvPr>
-              <p:cNvSpPr txBox="1">
-                <a:spLocks noRot="1" noChangeAspect="1" noMove="1" noResize="1" noEditPoints="1" noAdjustHandles="1" noChangeArrowheads="1" noChangeShapeType="1" noTextEdit="1"/>
-              </p:cNvSpPr>
-              <p:nvPr/>
-            </p:nvSpPr>
-            <p:spPr>
-              <a:xfrm>
-                <a:off x="3326209" y="6511218"/>
-                <a:ext cx="365805" cy="369332"/>
-              </a:xfrm>
-              <a:prstGeom prst="rect">
-                <a:avLst/>
-              </a:prstGeom>
-              <a:blipFill>
-                <a:blip r:embed="rId5"/>
-                <a:stretch>
-                  <a:fillRect/>
-                </a:stretch>
-              </a:blipFill>
-            </p:spPr>
-            <p:txBody>
-              <a:bodyPr/>
-              <a:lstStyle/>
-              <a:p>
-                <a:r>
-                  <a:rPr lang="en-US">
-                    <a:noFill/>
-                  </a:rPr>
-                  <a:t> </a:t>
-                </a:r>
-              </a:p>
-            </p:txBody>
-          </p:sp>
-        </mc:Fallback>
-      </mc:AlternateContent>
+      <p:sp>
+        <p:nvSpPr>
+          <p:cNvPr id="63" name="TextBox 62">
+            <a:extLst>
+              <a:ext uri="{FF2B5EF4-FFF2-40B4-BE49-F238E27FC236}">
+                <a16:creationId xmlns:a16="http://schemas.microsoft.com/office/drawing/2014/main" id="{0B6AD766-F966-F438-B1D2-BA7425253CEF}"/>
+              </a:ext>
+            </a:extLst>
+          </p:cNvPr>
+          <p:cNvSpPr txBox="1"/>
+          <p:nvPr/>
+        </p:nvSpPr>
+        <p:spPr>
+          <a:xfrm>
+            <a:off x="3326209" y="6511218"/>
+            <a:ext cx="301686" cy="369332"/>
+          </a:xfrm>
+          <a:prstGeom prst="rect">
+            <a:avLst/>
+          </a:prstGeom>
+          <a:noFill/>
+        </p:spPr>
+        <p:txBody>
+          <a:bodyPr wrap="none" rtlCol="0">
+            <a:spAutoFit/>
+          </a:bodyPr>
+          <a:lstStyle/>
+          <a:p>
+            <a:pPr/>
+            <a:r>
+              <a:rPr lang="en-US" dirty="0"/>
+              <a:t>3</a:t>
+            </a:r>
+          </a:p>
+        </p:txBody>
+      </p:sp>
       <mc:AlternateContent xmlns:mc="http://schemas.openxmlformats.org/markup-compatibility/2006">
         <mc:Choice xmlns:a14="http://schemas.microsoft.com/office/drawing/2010/main" Requires="a14">
           <p:sp>
@@ -4869,6 +4938,7 @@
               </a:bodyPr>
               <a:lstStyle/>
               <a:p>
+                <a:pPr/>
                 <a14:m>
                   <m:oMathPara xmlns:m="http://schemas.openxmlformats.org/officeDocument/2006/math">
                     <m:oMathParaPr>
@@ -4879,7 +4949,7 @@
                         <a:rPr lang="en-US" b="0" i="1" smtClean="0">
                           <a:latin typeface="Cambria Math" panose="02040503050406030204" pitchFamily="18" charset="0"/>
                         </a:rPr>
-                        <m:t>1</m:t>
+                        <m:t>3</m:t>
                       </m:r>
                     </m:oMath>
                   </m:oMathPara>
@@ -4913,7 +4983,7 @@
                 <a:avLst/>
               </a:prstGeom>
               <a:blipFill>
-                <a:blip r:embed="rId6"/>
+                <a:blip r:embed="rId5"/>
                 <a:stretch>
                   <a:fillRect/>
                 </a:stretch>
@@ -4924,7 +4994,7 @@
               <a:lstStyle/>
               <a:p>
                 <a:r>
-                  <a:rPr lang="en-US">
+                  <a:rPr lang="LID4096">
                     <a:noFill/>
                   </a:rPr>
                   <a:t> </a:t>
@@ -4934,101 +5004,42 @@
           </p:sp>
         </mc:Fallback>
       </mc:AlternateContent>
-      <mc:AlternateContent xmlns:mc="http://schemas.openxmlformats.org/markup-compatibility/2006">
-        <mc:Choice xmlns:a14="http://schemas.microsoft.com/office/drawing/2010/main" Requires="a14">
-          <p:sp>
-            <p:nvSpPr>
-              <p:cNvPr id="65" name="TextBox 64">
-                <a:extLst>
-                  <a:ext uri="{FF2B5EF4-FFF2-40B4-BE49-F238E27FC236}">
-                    <a16:creationId xmlns:a16="http://schemas.microsoft.com/office/drawing/2014/main" id="{28C1700F-A4F0-D627-79E1-14FE254214CC}"/>
-                  </a:ext>
-                </a:extLst>
-              </p:cNvPr>
-              <p:cNvSpPr txBox="1"/>
-              <p:nvPr/>
-            </p:nvSpPr>
-            <p:spPr>
-              <a:xfrm>
-                <a:off x="5959392" y="3939702"/>
-                <a:ext cx="365805" cy="369332"/>
-              </a:xfrm>
-              <a:prstGeom prst="rect">
-                <a:avLst/>
-              </a:prstGeom>
-              <a:noFill/>
-            </p:spPr>
-            <p:txBody>
-              <a:bodyPr wrap="none" rtlCol="0">
-                <a:spAutoFit/>
-              </a:bodyPr>
-              <a:lstStyle/>
-              <a:p>
-                <a14:m>
-                  <m:oMathPara xmlns:m="http://schemas.openxmlformats.org/officeDocument/2006/math">
-                    <m:oMathParaPr>
-                      <m:jc m:val="centerGroup"/>
-                    </m:oMathParaPr>
-                    <m:oMath xmlns:m="http://schemas.openxmlformats.org/officeDocument/2006/math">
-                      <m:r>
-                        <a:rPr lang="en-US" b="0" i="1" smtClean="0">
-                          <a:latin typeface="Cambria Math" panose="02040503050406030204" pitchFamily="18" charset="0"/>
-                        </a:rPr>
-                        <m:t>5</m:t>
-                      </m:r>
-                    </m:oMath>
-                  </m:oMathPara>
-                </a14:m>
-                <a:endParaRPr lang="en-US" dirty="0"/>
-              </a:p>
-            </p:txBody>
-          </p:sp>
-        </mc:Choice>
-        <mc:Fallback>
-          <p:sp>
-            <p:nvSpPr>
-              <p:cNvPr id="65" name="TextBox 64">
-                <a:extLst>
-                  <a:ext uri="{FF2B5EF4-FFF2-40B4-BE49-F238E27FC236}">
-                    <a16:creationId xmlns:a16="http://schemas.microsoft.com/office/drawing/2014/main" id="{28C1700F-A4F0-D627-79E1-14FE254214CC}"/>
-                  </a:ext>
-                </a:extLst>
-              </p:cNvPr>
-              <p:cNvSpPr txBox="1">
-                <a:spLocks noRot="1" noChangeAspect="1" noMove="1" noResize="1" noEditPoints="1" noAdjustHandles="1" noChangeArrowheads="1" noChangeShapeType="1" noTextEdit="1"/>
-              </p:cNvSpPr>
-              <p:nvPr/>
-            </p:nvSpPr>
-            <p:spPr>
-              <a:xfrm>
-                <a:off x="5959392" y="3939702"/>
-                <a:ext cx="365805" cy="369332"/>
-              </a:xfrm>
-              <a:prstGeom prst="rect">
-                <a:avLst/>
-              </a:prstGeom>
-              <a:blipFill>
-                <a:blip r:embed="rId7"/>
-                <a:stretch>
-                  <a:fillRect/>
-                </a:stretch>
-              </a:blipFill>
-            </p:spPr>
-            <p:txBody>
-              <a:bodyPr/>
-              <a:lstStyle/>
-              <a:p>
-                <a:r>
-                  <a:rPr lang="en-US">
-                    <a:noFill/>
-                  </a:rPr>
-                  <a:t> </a:t>
-                </a:r>
-              </a:p>
-            </p:txBody>
-          </p:sp>
-        </mc:Fallback>
-      </mc:AlternateContent>
+      <p:sp>
+        <p:nvSpPr>
+          <p:cNvPr id="65" name="TextBox 64">
+            <a:extLst>
+              <a:ext uri="{FF2B5EF4-FFF2-40B4-BE49-F238E27FC236}">
+                <a16:creationId xmlns:a16="http://schemas.microsoft.com/office/drawing/2014/main" id="{28C1700F-A4F0-D627-79E1-14FE254214CC}"/>
+              </a:ext>
+            </a:extLst>
+          </p:cNvPr>
+          <p:cNvSpPr txBox="1"/>
+          <p:nvPr/>
+        </p:nvSpPr>
+        <p:spPr>
+          <a:xfrm>
+            <a:off x="5959392" y="3939702"/>
+            <a:ext cx="301686" cy="369332"/>
+          </a:xfrm>
+          <a:prstGeom prst="rect">
+            <a:avLst/>
+          </a:prstGeom>
+          <a:noFill/>
+        </p:spPr>
+        <p:txBody>
+          <a:bodyPr wrap="none" rtlCol="0">
+            <a:spAutoFit/>
+          </a:bodyPr>
+          <a:lstStyle/>
+          <a:p>
+            <a:pPr/>
+            <a:r>
+              <a:rPr lang="en-US" dirty="0"/>
+              <a:t>4</a:t>
+            </a:r>
+          </a:p>
+        </p:txBody>
+      </p:sp>
       <mc:AlternateContent xmlns:mc="http://schemas.openxmlformats.org/markup-compatibility/2006">
         <mc:Choice xmlns:a14="http://schemas.microsoft.com/office/drawing/2010/main" Requires="a14">
           <p:sp>
@@ -5059,6 +5070,7 @@
               </a:bodyPr>
               <a:lstStyle/>
               <a:p>
+                <a:pPr/>
                 <a14:m>
                   <m:oMathPara xmlns:m="http://schemas.openxmlformats.org/officeDocument/2006/math">
                     <m:oMathParaPr>
@@ -5069,7 +5081,7 @@
                         <a:rPr lang="en-US" b="0" i="1" smtClean="0">
                           <a:latin typeface="Cambria Math" panose="02040503050406030204" pitchFamily="18" charset="0"/>
                         </a:rPr>
-                        <m:t>1</m:t>
+                        <m:t>4</m:t>
                       </m:r>
                     </m:oMath>
                   </m:oMathPara>
@@ -5103,7 +5115,7 @@
                 <a:avLst/>
               </a:prstGeom>
               <a:blipFill>
-                <a:blip r:embed="rId8"/>
+                <a:blip r:embed="rId6"/>
                 <a:stretch>
                   <a:fillRect/>
                 </a:stretch>
@@ -5114,7 +5126,7 @@
               <a:lstStyle/>
               <a:p>
                 <a:r>
-                  <a:rPr lang="en-US">
+                  <a:rPr lang="LID4096">
                     <a:noFill/>
                   </a:rPr>
                   <a:t> </a:t>
@@ -5227,7 +5239,7 @@
         </p:nvSpPr>
         <p:spPr>
           <a:xfrm>
-            <a:off x="1990199" y="5588265"/>
+            <a:off x="1362968" y="3592395"/>
             <a:ext cx="301686" cy="369332"/>
           </a:xfrm>
           <a:prstGeom prst="rect">
@@ -5250,10 +5262,10 @@
       </p:sp>
       <p:sp>
         <p:nvSpPr>
-          <p:cNvPr id="93" name="Arc 92">
+          <p:cNvPr id="95" name="Arc 94">
             <a:extLst>
               <a:ext uri="{FF2B5EF4-FFF2-40B4-BE49-F238E27FC236}">
-                <a16:creationId xmlns:a16="http://schemas.microsoft.com/office/drawing/2014/main" id="{9C704B59-A34C-1071-859C-6EDBB115ED08}"/>
+                <a16:creationId xmlns:a16="http://schemas.microsoft.com/office/drawing/2014/main" id="{C595C5D9-FE2E-E39C-09F5-76B0F0DF7AF8}"/>
               </a:ext>
             </a:extLst>
           </p:cNvPr>
@@ -5261,14 +5273,14 @@
           <p:nvPr/>
         </p:nvSpPr>
         <p:spPr>
-          <a:xfrm rot="155850" flipH="1" flipV="1">
-            <a:off x="226341" y="917829"/>
-            <a:ext cx="3201922" cy="5597285"/>
+          <a:xfrm rot="18897401" flipV="1">
+            <a:off x="2948533" y="603505"/>
+            <a:ext cx="1340197" cy="5337716"/>
           </a:xfrm>
           <a:prstGeom prst="arc">
             <a:avLst>
-              <a:gd name="adj1" fmla="val 15465493"/>
-              <a:gd name="adj2" fmla="val 4334917"/>
+              <a:gd name="adj1" fmla="val 17750876"/>
+              <a:gd name="adj2" fmla="val 5104819"/>
             </a:avLst>
           </a:prstGeom>
           <a:ln w="19050" cap="flat" cmpd="sng" algn="ctr">
@@ -5308,99 +5320,6 @@
       </p:sp>
       <p:sp>
         <p:nvSpPr>
-          <p:cNvPr id="94" name="TextBox 93">
-            <a:extLst>
-              <a:ext uri="{FF2B5EF4-FFF2-40B4-BE49-F238E27FC236}">
-                <a16:creationId xmlns:a16="http://schemas.microsoft.com/office/drawing/2014/main" id="{17C9AFA4-F56C-4C8C-5089-6D9A8CFC0B21}"/>
-              </a:ext>
-            </a:extLst>
-          </p:cNvPr>
-          <p:cNvSpPr txBox="1"/>
-          <p:nvPr/>
-        </p:nvSpPr>
-        <p:spPr>
-          <a:xfrm>
-            <a:off x="1889842" y="6097482"/>
-            <a:ext cx="301686" cy="369332"/>
-          </a:xfrm>
-          <a:prstGeom prst="rect">
-            <a:avLst/>
-          </a:prstGeom>
-          <a:noFill/>
-        </p:spPr>
-        <p:txBody>
-          <a:bodyPr wrap="none" rtlCol="0">
-            <a:spAutoFit/>
-          </a:bodyPr>
-          <a:lstStyle/>
-          <a:p>
-            <a:r>
-              <a:rPr lang="en-US" dirty="0"/>
-              <a:t>2</a:t>
-            </a:r>
-          </a:p>
-        </p:txBody>
-      </p:sp>
-      <p:sp>
-        <p:nvSpPr>
-          <p:cNvPr id="95" name="Arc 94">
-            <a:extLst>
-              <a:ext uri="{FF2B5EF4-FFF2-40B4-BE49-F238E27FC236}">
-                <a16:creationId xmlns:a16="http://schemas.microsoft.com/office/drawing/2014/main" id="{C595C5D9-FE2E-E39C-09F5-76B0F0DF7AF8}"/>
-              </a:ext>
-            </a:extLst>
-          </p:cNvPr>
-          <p:cNvSpPr/>
-          <p:nvPr/>
-        </p:nvSpPr>
-        <p:spPr>
-          <a:xfrm rot="20860008" flipV="1">
-            <a:off x="3961480" y="1059840"/>
-            <a:ext cx="1057746" cy="3491143"/>
-          </a:xfrm>
-          <a:prstGeom prst="arc">
-            <a:avLst>
-              <a:gd name="adj1" fmla="val 17492536"/>
-              <a:gd name="adj2" fmla="val 4929163"/>
-            </a:avLst>
-          </a:prstGeom>
-          <a:ln w="19050" cap="flat" cmpd="sng" algn="ctr">
-            <a:solidFill>
-              <a:schemeClr val="accent4">
-                <a:lumMod val="75000"/>
-              </a:schemeClr>
-            </a:solidFill>
-            <a:prstDash val="sysDot"/>
-            <a:round/>
-            <a:headEnd type="arrow" w="med" len="med"/>
-            <a:tailEnd type="none" w="med" len="med"/>
-          </a:ln>
-        </p:spPr>
-        <p:style>
-          <a:lnRef idx="0">
-            <a:scrgbClr r="0" g="0" b="0"/>
-          </a:lnRef>
-          <a:fillRef idx="0">
-            <a:scrgbClr r="0" g="0" b="0"/>
-          </a:fillRef>
-          <a:effectRef idx="0">
-            <a:scrgbClr r="0" g="0" b="0"/>
-          </a:effectRef>
-          <a:fontRef idx="minor">
-            <a:schemeClr val="tx1"/>
-          </a:fontRef>
-        </p:style>
-        <p:txBody>
-          <a:bodyPr rtlCol="0" anchor="ctr"/>
-          <a:lstStyle/>
-          <a:p>
-            <a:pPr algn="ctr"/>
-            <a:endParaRPr lang="en-US"/>
-          </a:p>
-        </p:txBody>
-      </p:sp>
-      <p:sp>
-        <p:nvSpPr>
           <p:cNvPr id="97" name="TextBox 96">
             <a:extLst>
               <a:ext uri="{FF2B5EF4-FFF2-40B4-BE49-F238E27FC236}">
@@ -5413,7 +5332,7 @@
         </p:nvSpPr>
         <p:spPr>
           <a:xfrm>
-            <a:off x="4831765" y="3488471"/>
+            <a:off x="4796699" y="3322183"/>
             <a:ext cx="301686" cy="369332"/>
           </a:xfrm>
           <a:prstGeom prst="rect">
@@ -5917,8 +5836,8 @@
           </p:sp>
         </mc:Fallback>
       </mc:AlternateContent>
-      <mc:AlternateContent xmlns:mc="http://schemas.openxmlformats.org/markup-compatibility/2006">
-        <mc:Choice xmlns:a14="http://schemas.microsoft.com/office/drawing/2010/main" Requires="a14">
+      <mc:AlternateContent xmlns:mc="http://schemas.openxmlformats.org/markup-compatibility/2006" xmlns:a14="http://schemas.microsoft.com/office/drawing/2010/main">
+        <mc:Choice Requires="a14">
           <p:sp>
             <p:nvSpPr>
               <p:cNvPr id="21" name="Oval 20">
@@ -6028,7 +5947,7 @@
             </p:txBody>
           </p:sp>
         </mc:Choice>
-        <mc:Fallback>
+        <mc:Fallback xmlns="">
           <p:sp>
             <p:nvSpPr>
               <p:cNvPr id="21" name="Oval 20">
@@ -6402,85 +6321,6 @@
       </mc:AlternateContent>
       <p:cxnSp>
         <p:nvCxnSpPr>
-          <p:cNvPr id="98" name="Straight Arrow Connector 97">
-            <a:extLst>
-              <a:ext uri="{FF2B5EF4-FFF2-40B4-BE49-F238E27FC236}">
-                <a16:creationId xmlns:a16="http://schemas.microsoft.com/office/drawing/2014/main" id="{53A75E45-64F2-7349-D37B-379276392A26}"/>
-              </a:ext>
-            </a:extLst>
-          </p:cNvPr>
-          <p:cNvCxnSpPr>
-            <a:cxnSpLocks/>
-          </p:cNvCxnSpPr>
-          <p:nvPr/>
-        </p:nvCxnSpPr>
-        <p:spPr>
-          <a:xfrm flipH="1">
-            <a:off x="2908194" y="4814643"/>
-            <a:ext cx="10102" cy="859800"/>
-          </a:xfrm>
-          <a:prstGeom prst="straightConnector1">
-            <a:avLst/>
-          </a:prstGeom>
-          <a:ln w="19050">
-            <a:solidFill>
-              <a:schemeClr val="accent1"/>
-            </a:solidFill>
-            <a:tailEnd type="triangle"/>
-          </a:ln>
-        </p:spPr>
-        <p:style>
-          <a:lnRef idx="1">
-            <a:schemeClr val="accent1"/>
-          </a:lnRef>
-          <a:fillRef idx="0">
-            <a:schemeClr val="accent1"/>
-          </a:fillRef>
-          <a:effectRef idx="0">
-            <a:schemeClr val="accent1"/>
-          </a:effectRef>
-          <a:fontRef idx="minor">
-            <a:schemeClr val="tx1"/>
-          </a:fontRef>
-        </p:style>
-      </p:cxnSp>
-      <p:sp>
-        <p:nvSpPr>
-          <p:cNvPr id="101" name="TextBox 100">
-            <a:extLst>
-              <a:ext uri="{FF2B5EF4-FFF2-40B4-BE49-F238E27FC236}">
-                <a16:creationId xmlns:a16="http://schemas.microsoft.com/office/drawing/2014/main" id="{EB460597-00DF-8FCE-2DAF-60BB0AF78F69}"/>
-              </a:ext>
-            </a:extLst>
-          </p:cNvPr>
-          <p:cNvSpPr txBox="1"/>
-          <p:nvPr/>
-        </p:nvSpPr>
-        <p:spPr>
-          <a:xfrm>
-            <a:off x="2893327" y="5311546"/>
-            <a:ext cx="301686" cy="369332"/>
-          </a:xfrm>
-          <a:prstGeom prst="rect">
-            <a:avLst/>
-          </a:prstGeom>
-          <a:noFill/>
-        </p:spPr>
-        <p:txBody>
-          <a:bodyPr wrap="none" rtlCol="0">
-            <a:spAutoFit/>
-          </a:bodyPr>
-          <a:lstStyle/>
-          <a:p>
-            <a:r>
-              <a:rPr lang="en-US" dirty="0"/>
-              <a:t>2</a:t>
-            </a:r>
-          </a:p>
-        </p:txBody>
-      </p:sp>
-      <p:cxnSp>
-        <p:nvCxnSpPr>
           <p:cNvPr id="102" name="Straight Arrow Connector 101">
             <a:extLst>
               <a:ext uri="{FF2B5EF4-FFF2-40B4-BE49-F238E27FC236}">
@@ -6603,6 +6443,385 @@
           </a:fontRef>
         </p:style>
       </p:cxnSp>
+      <p:cxnSp>
+        <p:nvCxnSpPr>
+          <p:cNvPr id="9" name="Straight Arrow Connector 8">
+            <a:extLst>
+              <a:ext uri="{FF2B5EF4-FFF2-40B4-BE49-F238E27FC236}">
+                <a16:creationId xmlns:a16="http://schemas.microsoft.com/office/drawing/2014/main" id="{9506A60A-8E35-0CDF-EB43-D03680B1FB84}"/>
+              </a:ext>
+            </a:extLst>
+          </p:cNvPr>
+          <p:cNvCxnSpPr>
+            <a:cxnSpLocks/>
+          </p:cNvCxnSpPr>
+          <p:nvPr/>
+        </p:nvCxnSpPr>
+        <p:spPr>
+          <a:xfrm>
+            <a:off x="1622346" y="3561623"/>
+            <a:ext cx="890138" cy="2353924"/>
+          </a:xfrm>
+          <a:prstGeom prst="straightConnector1">
+            <a:avLst/>
+          </a:prstGeom>
+          <a:ln w="19050">
+            <a:solidFill>
+              <a:schemeClr val="accent1"/>
+            </a:solidFill>
+            <a:headEnd type="triangle" w="med" len="med"/>
+            <a:tailEnd type="none" w="med" len="med"/>
+          </a:ln>
+        </p:spPr>
+        <p:style>
+          <a:lnRef idx="1">
+            <a:schemeClr val="accent1"/>
+          </a:lnRef>
+          <a:fillRef idx="0">
+            <a:schemeClr val="accent1"/>
+          </a:fillRef>
+          <a:effectRef idx="0">
+            <a:schemeClr val="accent1"/>
+          </a:effectRef>
+          <a:fontRef idx="minor">
+            <a:schemeClr val="tx1"/>
+          </a:fontRef>
+        </p:style>
+      </p:cxnSp>
+      <p:sp>
+        <p:nvSpPr>
+          <p:cNvPr id="13" name="TextBox 12">
+            <a:extLst>
+              <a:ext uri="{FF2B5EF4-FFF2-40B4-BE49-F238E27FC236}">
+                <a16:creationId xmlns:a16="http://schemas.microsoft.com/office/drawing/2014/main" id="{48C6FC3C-06C4-0F49-3F9D-56DDCB9C924A}"/>
+              </a:ext>
+            </a:extLst>
+          </p:cNvPr>
+          <p:cNvSpPr txBox="1"/>
+          <p:nvPr/>
+        </p:nvSpPr>
+        <p:spPr>
+          <a:xfrm>
+            <a:off x="2103429" y="5600513"/>
+            <a:ext cx="301686" cy="369332"/>
+          </a:xfrm>
+          <a:prstGeom prst="rect">
+            <a:avLst/>
+          </a:prstGeom>
+          <a:noFill/>
+        </p:spPr>
+        <p:txBody>
+          <a:bodyPr wrap="none" rtlCol="0">
+            <a:spAutoFit/>
+          </a:bodyPr>
+          <a:lstStyle/>
+          <a:p>
+            <a:r>
+              <a:rPr lang="en-US" dirty="0"/>
+              <a:t>3</a:t>
+            </a:r>
+          </a:p>
+        </p:txBody>
+      </p:sp>
+      <p:cxnSp>
+        <p:nvCxnSpPr>
+          <p:cNvPr id="17" name="Straight Arrow Connector 16">
+            <a:extLst>
+              <a:ext uri="{FF2B5EF4-FFF2-40B4-BE49-F238E27FC236}">
+                <a16:creationId xmlns:a16="http://schemas.microsoft.com/office/drawing/2014/main" id="{C958451C-1795-E89B-44B1-259439E09A74}"/>
+              </a:ext>
+            </a:extLst>
+          </p:cNvPr>
+          <p:cNvCxnSpPr>
+            <a:cxnSpLocks/>
+          </p:cNvCxnSpPr>
+          <p:nvPr/>
+        </p:nvCxnSpPr>
+        <p:spPr>
+          <a:xfrm flipH="1" flipV="1">
+            <a:off x="2106366" y="3317118"/>
+            <a:ext cx="498331" cy="627885"/>
+          </a:xfrm>
+          <a:prstGeom prst="straightConnector1">
+            <a:avLst/>
+          </a:prstGeom>
+          <a:ln w="19050">
+            <a:solidFill>
+              <a:schemeClr val="accent4">
+                <a:lumMod val="75000"/>
+              </a:schemeClr>
+            </a:solidFill>
+            <a:prstDash val="sysDot"/>
+            <a:tailEnd type="triangle"/>
+          </a:ln>
+        </p:spPr>
+        <p:style>
+          <a:lnRef idx="1">
+            <a:schemeClr val="accent1"/>
+          </a:lnRef>
+          <a:fillRef idx="0">
+            <a:schemeClr val="accent1"/>
+          </a:fillRef>
+          <a:effectRef idx="0">
+            <a:schemeClr val="accent1"/>
+          </a:effectRef>
+          <a:fontRef idx="minor">
+            <a:schemeClr val="tx1"/>
+          </a:fontRef>
+        </p:style>
+      </p:cxnSp>
+      <p:sp>
+        <p:nvSpPr>
+          <p:cNvPr id="33" name="TextBox 32">
+            <a:extLst>
+              <a:ext uri="{FF2B5EF4-FFF2-40B4-BE49-F238E27FC236}">
+                <a16:creationId xmlns:a16="http://schemas.microsoft.com/office/drawing/2014/main" id="{F16F8387-4BCA-6996-7A82-21DCDC2D3706}"/>
+              </a:ext>
+            </a:extLst>
+          </p:cNvPr>
+          <p:cNvSpPr txBox="1"/>
+          <p:nvPr/>
+        </p:nvSpPr>
+        <p:spPr>
+          <a:xfrm>
+            <a:off x="4387632" y="4318205"/>
+            <a:ext cx="301686" cy="369332"/>
+          </a:xfrm>
+          <a:prstGeom prst="rect">
+            <a:avLst/>
+          </a:prstGeom>
+          <a:noFill/>
+        </p:spPr>
+        <p:txBody>
+          <a:bodyPr wrap="none" rtlCol="0">
+            <a:spAutoFit/>
+          </a:bodyPr>
+          <a:lstStyle/>
+          <a:p>
+            <a:r>
+              <a:rPr lang="en-US" dirty="0"/>
+              <a:t>1</a:t>
+            </a:r>
+          </a:p>
+        </p:txBody>
+      </p:sp>
+      <p:cxnSp>
+        <p:nvCxnSpPr>
+          <p:cNvPr id="35" name="Straight Arrow Connector 34">
+            <a:extLst>
+              <a:ext uri="{FF2B5EF4-FFF2-40B4-BE49-F238E27FC236}">
+                <a16:creationId xmlns:a16="http://schemas.microsoft.com/office/drawing/2014/main" id="{2E3242B8-71DC-C8AA-90E5-A8450C15400C}"/>
+              </a:ext>
+            </a:extLst>
+          </p:cNvPr>
+          <p:cNvCxnSpPr>
+            <a:cxnSpLocks/>
+          </p:cNvCxnSpPr>
+          <p:nvPr/>
+        </p:nvCxnSpPr>
+        <p:spPr>
+          <a:xfrm flipH="1">
+            <a:off x="2940711" y="4804286"/>
+            <a:ext cx="2557" cy="840370"/>
+          </a:xfrm>
+          <a:prstGeom prst="straightConnector1">
+            <a:avLst/>
+          </a:prstGeom>
+          <a:ln w="19050">
+            <a:solidFill>
+              <a:srgbClr val="FF0000"/>
+            </a:solidFill>
+            <a:prstDash val="dash"/>
+            <a:tailEnd type="triangle"/>
+          </a:ln>
+        </p:spPr>
+        <p:style>
+          <a:lnRef idx="1">
+            <a:schemeClr val="accent1"/>
+          </a:lnRef>
+          <a:fillRef idx="0">
+            <a:schemeClr val="accent1"/>
+          </a:fillRef>
+          <a:effectRef idx="0">
+            <a:schemeClr val="accent1"/>
+          </a:effectRef>
+          <a:fontRef idx="minor">
+            <a:schemeClr val="tx1"/>
+          </a:fontRef>
+        </p:style>
+      </p:cxnSp>
+      <p:sp>
+        <p:nvSpPr>
+          <p:cNvPr id="36" name="Arc 35">
+            <a:extLst>
+              <a:ext uri="{FF2B5EF4-FFF2-40B4-BE49-F238E27FC236}">
+                <a16:creationId xmlns:a16="http://schemas.microsoft.com/office/drawing/2014/main" id="{EE341F2B-3468-A587-88B5-97B615E2056B}"/>
+              </a:ext>
+            </a:extLst>
+          </p:cNvPr>
+          <p:cNvSpPr/>
+          <p:nvPr/>
+        </p:nvSpPr>
+        <p:spPr>
+          <a:xfrm rot="17407651">
+            <a:off x="2502079" y="2317241"/>
+            <a:ext cx="1394752" cy="3333571"/>
+          </a:xfrm>
+          <a:prstGeom prst="arc">
+            <a:avLst>
+              <a:gd name="adj1" fmla="val 17170015"/>
+              <a:gd name="adj2" fmla="val 4604923"/>
+            </a:avLst>
+          </a:prstGeom>
+          <a:ln w="19050" cap="flat" cmpd="sng" algn="ctr">
+            <a:solidFill>
+              <a:schemeClr val="accent4">
+                <a:lumMod val="75000"/>
+              </a:schemeClr>
+            </a:solidFill>
+            <a:prstDash val="sysDot"/>
+            <a:round/>
+            <a:headEnd type="none" w="med" len="med"/>
+            <a:tailEnd type="arrow" w="med" len="med"/>
+          </a:ln>
+        </p:spPr>
+        <p:style>
+          <a:lnRef idx="0">
+            <a:scrgbClr r="0" g="0" b="0"/>
+          </a:lnRef>
+          <a:fillRef idx="0">
+            <a:scrgbClr r="0" g="0" b="0"/>
+          </a:fillRef>
+          <a:effectRef idx="0">
+            <a:scrgbClr r="0" g="0" b="0"/>
+          </a:effectRef>
+          <a:fontRef idx="minor">
+            <a:schemeClr val="tx1"/>
+          </a:fontRef>
+        </p:style>
+        <p:txBody>
+          <a:bodyPr rtlCol="0" anchor="ctr"/>
+          <a:lstStyle/>
+          <a:p>
+            <a:pPr algn="ctr"/>
+            <a:endParaRPr lang="en-US"/>
+          </a:p>
+        </p:txBody>
+      </p:sp>
+      <p:sp>
+        <p:nvSpPr>
+          <p:cNvPr id="37" name="TextBox 36">
+            <a:extLst>
+              <a:ext uri="{FF2B5EF4-FFF2-40B4-BE49-F238E27FC236}">
+                <a16:creationId xmlns:a16="http://schemas.microsoft.com/office/drawing/2014/main" id="{108D5E4F-FE15-879C-257D-155E5612D7F1}"/>
+              </a:ext>
+            </a:extLst>
+          </p:cNvPr>
+          <p:cNvSpPr txBox="1"/>
+          <p:nvPr/>
+        </p:nvSpPr>
+        <p:spPr>
+          <a:xfrm>
+            <a:off x="1904367" y="3269168"/>
+            <a:ext cx="301686" cy="369332"/>
+          </a:xfrm>
+          <a:prstGeom prst="rect">
+            <a:avLst/>
+          </a:prstGeom>
+          <a:noFill/>
+        </p:spPr>
+        <p:txBody>
+          <a:bodyPr wrap="none" rtlCol="0">
+            <a:spAutoFit/>
+          </a:bodyPr>
+          <a:lstStyle/>
+          <a:p>
+            <a:r>
+              <a:rPr lang="en-US" dirty="0"/>
+              <a:t>1</a:t>
+            </a:r>
+          </a:p>
+        </p:txBody>
+      </p:sp>
+      <p:cxnSp>
+        <p:nvCxnSpPr>
+          <p:cNvPr id="38" name="Straight Arrow Connector 37">
+            <a:extLst>
+              <a:ext uri="{FF2B5EF4-FFF2-40B4-BE49-F238E27FC236}">
+                <a16:creationId xmlns:a16="http://schemas.microsoft.com/office/drawing/2014/main" id="{48FAED3B-55C9-8A1E-1605-5E10BA8F6507}"/>
+              </a:ext>
+            </a:extLst>
+          </p:cNvPr>
+          <p:cNvCxnSpPr>
+            <a:cxnSpLocks/>
+          </p:cNvCxnSpPr>
+          <p:nvPr/>
+        </p:nvCxnSpPr>
+        <p:spPr>
+          <a:xfrm flipV="1">
+            <a:off x="3403580" y="4343805"/>
+            <a:ext cx="1243833" cy="13528"/>
+          </a:xfrm>
+          <a:prstGeom prst="straightConnector1">
+            <a:avLst/>
+          </a:prstGeom>
+          <a:ln w="19050">
+            <a:solidFill>
+              <a:schemeClr val="accent1"/>
+            </a:solidFill>
+            <a:tailEnd type="triangle"/>
+          </a:ln>
+        </p:spPr>
+        <p:style>
+          <a:lnRef idx="1">
+            <a:schemeClr val="accent1"/>
+          </a:lnRef>
+          <a:fillRef idx="0">
+            <a:schemeClr val="accent1"/>
+          </a:fillRef>
+          <a:effectRef idx="0">
+            <a:schemeClr val="accent1"/>
+          </a:effectRef>
+          <a:fontRef idx="minor">
+            <a:schemeClr val="tx1"/>
+          </a:fontRef>
+        </p:style>
+      </p:cxnSp>
+      <p:sp>
+        <p:nvSpPr>
+          <p:cNvPr id="41" name="TextBox 40">
+            <a:extLst>
+              <a:ext uri="{FF2B5EF4-FFF2-40B4-BE49-F238E27FC236}">
+                <a16:creationId xmlns:a16="http://schemas.microsoft.com/office/drawing/2014/main" id="{694E90EE-0E83-D09E-2D9B-5803B141A680}"/>
+              </a:ext>
+            </a:extLst>
+          </p:cNvPr>
+          <p:cNvSpPr txBox="1"/>
+          <p:nvPr/>
+        </p:nvSpPr>
+        <p:spPr>
+          <a:xfrm>
+            <a:off x="4503049" y="3733203"/>
+            <a:ext cx="301686" cy="369332"/>
+          </a:xfrm>
+          <a:prstGeom prst="rect">
+            <a:avLst/>
+          </a:prstGeom>
+          <a:noFill/>
+        </p:spPr>
+        <p:txBody>
+          <a:bodyPr wrap="none" rtlCol="0">
+            <a:spAutoFit/>
+          </a:bodyPr>
+          <a:lstStyle/>
+          <a:p>
+            <a:r>
+              <a:rPr lang="en-US" dirty="0"/>
+              <a:t>1</a:t>
+            </a:r>
+          </a:p>
+        </p:txBody>
+      </p:sp>
     </p:spTree>
     <p:extLst>
       <p:ext uri="{BB962C8B-B14F-4D97-AF65-F5344CB8AC3E}">
